--- a/lectureSlides/lecture9.pptx
+++ b/lectureSlides/lecture9.pptx
@@ -111,6 +111,11 @@
       </a:defRPr>
     </a:lvl9pPr>
   </p:defaultTextStyle>
+  <p:extLst>
+    <p:ext uri="{EFAFB233-063F-42B5-8137-9DF3F51BA10A}">
+      <p15:sldGuideLst xmlns:p15="http://schemas.microsoft.com/office/powerpoint/2012/main"/>
+    </p:ext>
+  </p:extLst>
 </p:presentation>
 </file>
 
@@ -261,7 +266,7 @@
           <a:p>
             <a:fld id="{971706BB-89C5-5A4B-B1CC-F2D85C4E3905}" type="datetimeFigureOut">
               <a:rPr lang="en-US" smtClean="0"/>
-              <a:t>12/3/24</a:t>
+              <a:t>1/30/2025</a:t>
             </a:fld>
             <a:endParaRPr lang="en-US"/>
           </a:p>
@@ -459,7 +464,7 @@
           <a:p>
             <a:fld id="{971706BB-89C5-5A4B-B1CC-F2D85C4E3905}" type="datetimeFigureOut">
               <a:rPr lang="en-US" smtClean="0"/>
-              <a:t>12/3/24</a:t>
+              <a:t>1/30/2025</a:t>
             </a:fld>
             <a:endParaRPr lang="en-US"/>
           </a:p>
@@ -667,7 +672,7 @@
           <a:p>
             <a:fld id="{971706BB-89C5-5A4B-B1CC-F2D85C4E3905}" type="datetimeFigureOut">
               <a:rPr lang="en-US" smtClean="0"/>
-              <a:t>12/3/24</a:t>
+              <a:t>1/30/2025</a:t>
             </a:fld>
             <a:endParaRPr lang="en-US"/>
           </a:p>
@@ -865,7 +870,7 @@
           <a:p>
             <a:fld id="{971706BB-89C5-5A4B-B1CC-F2D85C4E3905}" type="datetimeFigureOut">
               <a:rPr lang="en-US" smtClean="0"/>
-              <a:t>12/3/24</a:t>
+              <a:t>1/30/2025</a:t>
             </a:fld>
             <a:endParaRPr lang="en-US"/>
           </a:p>
@@ -1140,7 +1145,7 @@
           <a:p>
             <a:fld id="{971706BB-89C5-5A4B-B1CC-F2D85C4E3905}" type="datetimeFigureOut">
               <a:rPr lang="en-US" smtClean="0"/>
-              <a:t>12/3/24</a:t>
+              <a:t>1/30/2025</a:t>
             </a:fld>
             <a:endParaRPr lang="en-US"/>
           </a:p>
@@ -1405,7 +1410,7 @@
           <a:p>
             <a:fld id="{971706BB-89C5-5A4B-B1CC-F2D85C4E3905}" type="datetimeFigureOut">
               <a:rPr lang="en-US" smtClean="0"/>
-              <a:t>12/3/24</a:t>
+              <a:t>1/30/2025</a:t>
             </a:fld>
             <a:endParaRPr lang="en-US"/>
           </a:p>
@@ -1817,7 +1822,7 @@
           <a:p>
             <a:fld id="{971706BB-89C5-5A4B-B1CC-F2D85C4E3905}" type="datetimeFigureOut">
               <a:rPr lang="en-US" smtClean="0"/>
-              <a:t>12/3/24</a:t>
+              <a:t>1/30/2025</a:t>
             </a:fld>
             <a:endParaRPr lang="en-US"/>
           </a:p>
@@ -1958,7 +1963,7 @@
           <a:p>
             <a:fld id="{971706BB-89C5-5A4B-B1CC-F2D85C4E3905}" type="datetimeFigureOut">
               <a:rPr lang="en-US" smtClean="0"/>
-              <a:t>12/3/24</a:t>
+              <a:t>1/30/2025</a:t>
             </a:fld>
             <a:endParaRPr lang="en-US"/>
           </a:p>
@@ -2071,7 +2076,7 @@
           <a:p>
             <a:fld id="{971706BB-89C5-5A4B-B1CC-F2D85C4E3905}" type="datetimeFigureOut">
               <a:rPr lang="en-US" smtClean="0"/>
-              <a:t>12/3/24</a:t>
+              <a:t>1/30/2025</a:t>
             </a:fld>
             <a:endParaRPr lang="en-US"/>
           </a:p>
@@ -2382,7 +2387,7 @@
           <a:p>
             <a:fld id="{971706BB-89C5-5A4B-B1CC-F2D85C4E3905}" type="datetimeFigureOut">
               <a:rPr lang="en-US" smtClean="0"/>
-              <a:t>12/3/24</a:t>
+              <a:t>1/30/2025</a:t>
             </a:fld>
             <a:endParaRPr lang="en-US"/>
           </a:p>
@@ -2670,7 +2675,7 @@
           <a:p>
             <a:fld id="{971706BB-89C5-5A4B-B1CC-F2D85C4E3905}" type="datetimeFigureOut">
               <a:rPr lang="en-US" smtClean="0"/>
-              <a:t>12/3/24</a:t>
+              <a:t>1/30/2025</a:t>
             </a:fld>
             <a:endParaRPr lang="en-US"/>
           </a:p>
@@ -2911,7 +2916,7 @@
           <a:p>
             <a:fld id="{971706BB-89C5-5A4B-B1CC-F2D85C4E3905}" type="datetimeFigureOut">
               <a:rPr lang="en-US" smtClean="0"/>
-              <a:t>12/3/24</a:t>
+              <a:t>1/30/2025</a:t>
             </a:fld>
             <a:endParaRPr lang="en-US"/>
           </a:p>
@@ -5057,7 +5062,7 @@
           <a:lstStyle/>
           <a:p>
             <a:r>
-              <a:rPr lang="en-US" sz="4800" b="1" kern="100">
+              <a:rPr lang="en-US" sz="4800" kern="100" dirty="0">
                 <a:effectLst/>
                 <a:latin typeface="Aptos" panose="020B0004020202020204" pitchFamily="34" charset="0"/>
                 <a:ea typeface="Aptos" panose="020B0004020202020204" pitchFamily="34" charset="0"/>
@@ -5065,7 +5070,7 @@
               </a:rPr>
               <a:t>Linux Firewall Tools Overview</a:t>
             </a:r>
-            <a:endParaRPr lang="en-US" sz="4800"/>
+            <a:endParaRPr lang="en-US" sz="4800" dirty="0"/>
           </a:p>
         </p:txBody>
       </p:sp>
@@ -5833,13 +5838,8 @@
           <a:p>
             <a:r>
               <a:rPr lang="en-US" sz="2000" dirty="0"/>
-              <a:t>New rules apply to new connections not </a:t>
-            </a:r>
-            <a:r>
-              <a:rPr lang="en-US" sz="2000" dirty="0" err="1"/>
-              <a:t>exisiting</a:t>
-            </a:r>
-            <a:endParaRPr lang="en-US" sz="2000" dirty="0"/>
+              <a:t>New rules apply to new connections not existing</a:t>
+            </a:r>
           </a:p>
           <a:p>
             <a:endParaRPr lang="en-US" sz="2000" dirty="0"/>
